--- a/Embedded Presentation.pptx
+++ b/Embedded Presentation.pptx
@@ -7,14 +7,13 @@
   <p:sldIdLst>
     <p:sldId id="256" r:id="rId2"/>
     <p:sldId id="257" r:id="rId3"/>
-    <p:sldId id="258" r:id="rId4"/>
-    <p:sldId id="259" r:id="rId5"/>
-    <p:sldId id="261" r:id="rId6"/>
-    <p:sldId id="260" r:id="rId7"/>
-    <p:sldId id="262" r:id="rId8"/>
+    <p:sldId id="259" r:id="rId4"/>
+    <p:sldId id="261" r:id="rId5"/>
+    <p:sldId id="262" r:id="rId6"/>
+    <p:sldId id="258" r:id="rId7"/>
+    <p:sldId id="260" r:id="rId8"/>
     <p:sldId id="263" r:id="rId9"/>
     <p:sldId id="264" r:id="rId10"/>
-    <p:sldId id="265" r:id="rId11"/>
   </p:sldIdLst>
   <p:sldSz cx="12192000" cy="6858000"/>
   <p:notesSz cx="6858000" cy="9144000"/>
@@ -5927,86 +5926,6 @@
 </p:sld>
 </file>
 
-<file path=ppt/slides/slide10.xml><?xml version="1.0" encoding="utf-8"?>
-<p:sld xmlns:a="http://schemas.openxmlformats.org/drawingml/2006/main" xmlns:r="http://schemas.openxmlformats.org/officeDocument/2006/relationships" xmlns:p="http://schemas.openxmlformats.org/presentationml/2006/main">
-  <p:cSld>
-    <p:spTree>
-      <p:nvGrpSpPr>
-        <p:cNvPr id="1" name=""/>
-        <p:cNvGrpSpPr/>
-        <p:nvPr/>
-      </p:nvGrpSpPr>
-      <p:grpSpPr>
-        <a:xfrm>
-          <a:off x="0" y="0"/>
-          <a:ext cx="0" cy="0"/>
-          <a:chOff x="0" y="0"/>
-          <a:chExt cx="0" cy="0"/>
-        </a:xfrm>
-      </p:grpSpPr>
-      <p:sp>
-        <p:nvSpPr>
-          <p:cNvPr id="2" name="Title 1">
-            <a:extLst>
-              <a:ext uri="{FF2B5EF4-FFF2-40B4-BE49-F238E27FC236}">
-                <a16:creationId xmlns:a16="http://schemas.microsoft.com/office/drawing/2014/main" id="{8B860358-0C9F-43E5-965F-751886E7C14A}"/>
-              </a:ext>
-            </a:extLst>
-          </p:cNvPr>
-          <p:cNvSpPr>
-            <a:spLocks noGrp="1"/>
-          </p:cNvSpPr>
-          <p:nvPr>
-            <p:ph type="title"/>
-          </p:nvPr>
-        </p:nvSpPr>
-        <p:spPr/>
-        <p:txBody>
-          <a:bodyPr/>
-          <a:lstStyle/>
-          <a:p>
-            <a:endParaRPr lang="en-GB"/>
-          </a:p>
-        </p:txBody>
-      </p:sp>
-      <p:sp>
-        <p:nvSpPr>
-          <p:cNvPr id="3" name="Content Placeholder 2">
-            <a:extLst>
-              <a:ext uri="{FF2B5EF4-FFF2-40B4-BE49-F238E27FC236}">
-                <a16:creationId xmlns:a16="http://schemas.microsoft.com/office/drawing/2014/main" id="{E8E3CC9C-DFC5-4393-9C32-BE7FEA17D4EB}"/>
-              </a:ext>
-            </a:extLst>
-          </p:cNvPr>
-          <p:cNvSpPr>
-            <a:spLocks noGrp="1"/>
-          </p:cNvSpPr>
-          <p:nvPr>
-            <p:ph idx="1"/>
-          </p:nvPr>
-        </p:nvSpPr>
-        <p:spPr/>
-        <p:txBody>
-          <a:bodyPr/>
-          <a:lstStyle/>
-          <a:p>
-            <a:endParaRPr lang="en-GB"/>
-          </a:p>
-        </p:txBody>
-      </p:sp>
-    </p:spTree>
-    <p:extLst>
-      <p:ext uri="{BB962C8B-B14F-4D97-AF65-F5344CB8AC3E}">
-        <p14:creationId xmlns:p14="http://schemas.microsoft.com/office/powerpoint/2010/main" val="3557662907"/>
-      </p:ext>
-    </p:extLst>
-  </p:cSld>
-  <p:clrMapOvr>
-    <a:masterClrMapping/>
-  </p:clrMapOvr>
-</p:sld>
-</file>
-
 <file path=ppt/slides/slide2.xml><?xml version="1.0" encoding="utf-8"?>
 <p:sld xmlns:a="http://schemas.openxmlformats.org/drawingml/2006/main" xmlns:r="http://schemas.openxmlformats.org/officeDocument/2006/relationships" xmlns:p="http://schemas.openxmlformats.org/presentationml/2006/main">
   <p:cSld>
@@ -6168,6 +6087,376 @@
 </file>
 
 <file path=ppt/slides/slide3.xml><?xml version="1.0" encoding="utf-8"?>
+<p:sld xmlns:a="http://schemas.openxmlformats.org/drawingml/2006/main" xmlns:r="http://schemas.openxmlformats.org/officeDocument/2006/relationships" xmlns:p="http://schemas.openxmlformats.org/presentationml/2006/main">
+  <p:cSld>
+    <p:spTree>
+      <p:nvGrpSpPr>
+        <p:cNvPr id="1" name=""/>
+        <p:cNvGrpSpPr/>
+        <p:nvPr/>
+      </p:nvGrpSpPr>
+      <p:grpSpPr>
+        <a:xfrm>
+          <a:off x="0" y="0"/>
+          <a:ext cx="0" cy="0"/>
+          <a:chOff x="0" y="0"/>
+          <a:chExt cx="0" cy="0"/>
+        </a:xfrm>
+      </p:grpSpPr>
+      <p:sp>
+        <p:nvSpPr>
+          <p:cNvPr id="3" name="Title 1">
+            <a:extLst>
+              <a:ext uri="{FF2B5EF4-FFF2-40B4-BE49-F238E27FC236}">
+                <a16:creationId xmlns:a16="http://schemas.microsoft.com/office/drawing/2014/main" id="{1643A88E-D0EA-4E1D-982F-F94E151585BB}"/>
+              </a:ext>
+            </a:extLst>
+          </p:cNvPr>
+          <p:cNvSpPr>
+            <a:spLocks noGrp="1"/>
+          </p:cNvSpPr>
+          <p:nvPr>
+            <p:ph type="title"/>
+          </p:nvPr>
+        </p:nvSpPr>
+        <p:spPr>
+          <a:xfrm>
+            <a:off x="838200" y="365125"/>
+            <a:ext cx="10515600" cy="1325563"/>
+          </a:xfrm>
+        </p:spPr>
+        <p:txBody>
+          <a:bodyPr/>
+          <a:lstStyle/>
+          <a:p>
+            <a:r>
+              <a:rPr lang="en-GB" dirty="0"/>
+              <a:t>Display Driver</a:t>
+            </a:r>
+          </a:p>
+        </p:txBody>
+      </p:sp>
+      <p:sp>
+        <p:nvSpPr>
+          <p:cNvPr id="4" name="Content Placeholder 2">
+            <a:extLst>
+              <a:ext uri="{FF2B5EF4-FFF2-40B4-BE49-F238E27FC236}">
+                <a16:creationId xmlns:a16="http://schemas.microsoft.com/office/drawing/2014/main" id="{A28A44D4-6C85-42EE-BC8C-4DF34AC906D0}"/>
+              </a:ext>
+            </a:extLst>
+          </p:cNvPr>
+          <p:cNvSpPr>
+            <a:spLocks noGrp="1"/>
+          </p:cNvSpPr>
+          <p:nvPr>
+            <p:ph idx="1"/>
+          </p:nvPr>
+        </p:nvSpPr>
+        <p:spPr>
+          <a:xfrm>
+            <a:off x="457392" y="1454514"/>
+            <a:ext cx="10233800" cy="4351338"/>
+          </a:xfrm>
+        </p:spPr>
+        <p:txBody>
+          <a:bodyPr/>
+          <a:lstStyle/>
+          <a:p>
+            <a:pPr lvl="1"/>
+            <a:endParaRPr lang="en-GB" dirty="0"/>
+          </a:p>
+          <a:p>
+            <a:pPr lvl="1"/>
+            <a:r>
+              <a:rPr lang="en-GB" dirty="0"/>
+              <a:t>320 x 240 pixels</a:t>
+            </a:r>
+          </a:p>
+          <a:p>
+            <a:pPr marL="457200" lvl="1" indent="0">
+              <a:buNone/>
+            </a:pPr>
+            <a:endParaRPr lang="en-GB" dirty="0"/>
+          </a:p>
+          <a:p>
+            <a:pPr lvl="1"/>
+            <a:r>
+              <a:rPr lang="en-GB" dirty="0"/>
+              <a:t>Frame buffer made up of two types of arrays </a:t>
+            </a:r>
+          </a:p>
+          <a:p>
+            <a:pPr marL="457200" lvl="1" indent="0">
+              <a:buNone/>
+            </a:pPr>
+            <a:endParaRPr lang="en-GB" dirty="0"/>
+          </a:p>
+          <a:p>
+            <a:pPr lvl="1"/>
+            <a:r>
+              <a:rPr lang="en-GB" dirty="0"/>
+              <a:t>Frame skip feature added </a:t>
+            </a:r>
+          </a:p>
+          <a:p>
+            <a:pPr lvl="1"/>
+            <a:endParaRPr lang="en-GB" dirty="0"/>
+          </a:p>
+          <a:p>
+            <a:pPr lvl="1"/>
+            <a:r>
+              <a:rPr lang="en-GB" dirty="0"/>
+              <a:t>Functions added to the engine to ease use</a:t>
+            </a:r>
+          </a:p>
+          <a:p>
+            <a:pPr lvl="1"/>
+            <a:endParaRPr lang="en-GB" dirty="0"/>
+          </a:p>
+          <a:p>
+            <a:pPr lvl="1"/>
+            <a:endParaRPr lang="en-GB" dirty="0"/>
+          </a:p>
+          <a:p>
+            <a:pPr lvl="1"/>
+            <a:endParaRPr lang="en-GB" dirty="0"/>
+          </a:p>
+          <a:p>
+            <a:pPr lvl="1"/>
+            <a:endParaRPr lang="en-GB" dirty="0"/>
+          </a:p>
+        </p:txBody>
+      </p:sp>
+    </p:spTree>
+    <p:extLst>
+      <p:ext uri="{BB962C8B-B14F-4D97-AF65-F5344CB8AC3E}">
+        <p14:creationId xmlns:p14="http://schemas.microsoft.com/office/powerpoint/2010/main" val="4037152160"/>
+      </p:ext>
+    </p:extLst>
+  </p:cSld>
+  <p:clrMapOvr>
+    <a:masterClrMapping/>
+  </p:clrMapOvr>
+</p:sld>
+</file>
+
+<file path=ppt/slides/slide4.xml><?xml version="1.0" encoding="utf-8"?>
+<p:sld xmlns:a="http://schemas.openxmlformats.org/drawingml/2006/main" xmlns:r="http://schemas.openxmlformats.org/officeDocument/2006/relationships" xmlns:p="http://schemas.openxmlformats.org/presentationml/2006/main">
+  <p:cSld>
+    <p:spTree>
+      <p:nvGrpSpPr>
+        <p:cNvPr id="1" name=""/>
+        <p:cNvGrpSpPr/>
+        <p:nvPr/>
+      </p:nvGrpSpPr>
+      <p:grpSpPr>
+        <a:xfrm>
+          <a:off x="0" y="0"/>
+          <a:ext cx="0" cy="0"/>
+          <a:chOff x="0" y="0"/>
+          <a:chExt cx="0" cy="0"/>
+        </a:xfrm>
+      </p:grpSpPr>
+      <p:sp>
+        <p:nvSpPr>
+          <p:cNvPr id="2" name="Title 1">
+            <a:extLst>
+              <a:ext uri="{FF2B5EF4-FFF2-40B4-BE49-F238E27FC236}">
+                <a16:creationId xmlns:a16="http://schemas.microsoft.com/office/drawing/2014/main" id="{C3C299C7-86C7-41A2-B0E6-4DA3B115EF90}"/>
+              </a:ext>
+            </a:extLst>
+          </p:cNvPr>
+          <p:cNvSpPr>
+            <a:spLocks noGrp="1"/>
+          </p:cNvSpPr>
+          <p:nvPr>
+            <p:ph type="title"/>
+          </p:nvPr>
+        </p:nvSpPr>
+        <p:spPr/>
+        <p:txBody>
+          <a:bodyPr/>
+          <a:lstStyle/>
+          <a:p>
+            <a:r>
+              <a:rPr lang="en-GB" dirty="0"/>
+              <a:t>Sprites &amp; Text</a:t>
+            </a:r>
+          </a:p>
+        </p:txBody>
+      </p:sp>
+      <p:sp>
+        <p:nvSpPr>
+          <p:cNvPr id="3" name="Content Placeholder 2">
+            <a:extLst>
+              <a:ext uri="{FF2B5EF4-FFF2-40B4-BE49-F238E27FC236}">
+                <a16:creationId xmlns:a16="http://schemas.microsoft.com/office/drawing/2014/main" id="{FFC9517B-41E3-44F8-9107-07B5C05958B4}"/>
+              </a:ext>
+            </a:extLst>
+          </p:cNvPr>
+          <p:cNvSpPr>
+            <a:spLocks noGrp="1"/>
+          </p:cNvSpPr>
+          <p:nvPr>
+            <p:ph idx="1"/>
+          </p:nvPr>
+        </p:nvSpPr>
+        <p:spPr/>
+        <p:txBody>
+          <a:bodyPr/>
+          <a:lstStyle/>
+          <a:p>
+            <a:r>
+              <a:rPr lang="en-GB" dirty="0"/>
+              <a:t>Ball generated using Pythagoras’ theorem</a:t>
+            </a:r>
+          </a:p>
+          <a:p>
+            <a:endParaRPr lang="en-GB" dirty="0"/>
+          </a:p>
+          <a:p>
+            <a:r>
+              <a:rPr lang="en-GB" dirty="0"/>
+              <a:t>Paddles created using </a:t>
+            </a:r>
+            <a:r>
+              <a:rPr lang="en-GB" dirty="0" err="1"/>
+              <a:t>Bresenham</a:t>
+            </a:r>
+            <a:r>
+              <a:rPr lang="en-GB" dirty="0"/>
+              <a:t> algorithm</a:t>
+            </a:r>
+          </a:p>
+          <a:p>
+            <a:endParaRPr lang="en-GB" dirty="0"/>
+          </a:p>
+          <a:p>
+            <a:r>
+              <a:rPr lang="en-GB" dirty="0"/>
+              <a:t>Text made using a library of hex values</a:t>
+            </a:r>
+          </a:p>
+        </p:txBody>
+      </p:sp>
+    </p:spTree>
+    <p:extLst>
+      <p:ext uri="{BB962C8B-B14F-4D97-AF65-F5344CB8AC3E}">
+        <p14:creationId xmlns:p14="http://schemas.microsoft.com/office/powerpoint/2010/main" val="1146827918"/>
+      </p:ext>
+    </p:extLst>
+  </p:cSld>
+  <p:clrMapOvr>
+    <a:masterClrMapping/>
+  </p:clrMapOvr>
+</p:sld>
+</file>
+
+<file path=ppt/slides/slide5.xml><?xml version="1.0" encoding="utf-8"?>
+<p:sld xmlns:a="http://schemas.openxmlformats.org/drawingml/2006/main" xmlns:r="http://schemas.openxmlformats.org/officeDocument/2006/relationships" xmlns:p="http://schemas.openxmlformats.org/presentationml/2006/main">
+  <p:cSld>
+    <p:spTree>
+      <p:nvGrpSpPr>
+        <p:cNvPr id="1" name=""/>
+        <p:cNvGrpSpPr/>
+        <p:nvPr/>
+      </p:nvGrpSpPr>
+      <p:grpSpPr>
+        <a:xfrm>
+          <a:off x="0" y="0"/>
+          <a:ext cx="0" cy="0"/>
+          <a:chOff x="0" y="0"/>
+          <a:chExt cx="0" cy="0"/>
+        </a:xfrm>
+      </p:grpSpPr>
+      <p:sp>
+        <p:nvSpPr>
+          <p:cNvPr id="2" name="Title 1">
+            <a:extLst>
+              <a:ext uri="{FF2B5EF4-FFF2-40B4-BE49-F238E27FC236}">
+                <a16:creationId xmlns:a16="http://schemas.microsoft.com/office/drawing/2014/main" id="{534B2A91-13C1-4687-9497-E0B39C1FC184}"/>
+              </a:ext>
+            </a:extLst>
+          </p:cNvPr>
+          <p:cNvSpPr>
+            <a:spLocks noGrp="1"/>
+          </p:cNvSpPr>
+          <p:nvPr>
+            <p:ph type="title"/>
+          </p:nvPr>
+        </p:nvSpPr>
+        <p:spPr/>
+        <p:txBody>
+          <a:bodyPr/>
+          <a:lstStyle/>
+          <a:p>
+            <a:r>
+              <a:rPr lang="en-GB" dirty="0"/>
+              <a:t>Menus</a:t>
+            </a:r>
+          </a:p>
+        </p:txBody>
+      </p:sp>
+      <p:sp>
+        <p:nvSpPr>
+          <p:cNvPr id="3" name="Content Placeholder 2">
+            <a:extLst>
+              <a:ext uri="{FF2B5EF4-FFF2-40B4-BE49-F238E27FC236}">
+                <a16:creationId xmlns:a16="http://schemas.microsoft.com/office/drawing/2014/main" id="{A8D3AC2F-D57D-4877-8E3C-CCEBA5ABDCB8}"/>
+              </a:ext>
+            </a:extLst>
+          </p:cNvPr>
+          <p:cNvSpPr>
+            <a:spLocks noGrp="1"/>
+          </p:cNvSpPr>
+          <p:nvPr>
+            <p:ph idx="1"/>
+          </p:nvPr>
+        </p:nvSpPr>
+        <p:spPr/>
+        <p:txBody>
+          <a:bodyPr/>
+          <a:lstStyle/>
+          <a:p>
+            <a:r>
+              <a:rPr lang="en-GB" dirty="0"/>
+              <a:t>Three main types of screen</a:t>
+            </a:r>
+          </a:p>
+          <a:p>
+            <a:endParaRPr lang="en-GB" dirty="0"/>
+          </a:p>
+          <a:p>
+            <a:r>
+              <a:rPr lang="en-GB" dirty="0"/>
+              <a:t>Menu contains blocking and non-blocking elements</a:t>
+            </a:r>
+          </a:p>
+          <a:p>
+            <a:endParaRPr lang="en-GB" dirty="0"/>
+          </a:p>
+          <a:p>
+            <a:r>
+              <a:rPr lang="en-GB" dirty="0"/>
+              <a:t>Allows user to change audio, paddle size and game mode </a:t>
+            </a:r>
+          </a:p>
+        </p:txBody>
+      </p:sp>
+    </p:spTree>
+    <p:extLst>
+      <p:ext uri="{BB962C8B-B14F-4D97-AF65-F5344CB8AC3E}">
+        <p14:creationId xmlns:p14="http://schemas.microsoft.com/office/powerpoint/2010/main" val="3509605658"/>
+      </p:ext>
+    </p:extLst>
+  </p:cSld>
+  <p:clrMapOvr>
+    <a:masterClrMapping/>
+  </p:clrMapOvr>
+</p:sld>
+</file>
+
+<file path=ppt/slides/slide6.xml><?xml version="1.0" encoding="utf-8"?>
 <p:sld xmlns:a="http://schemas.openxmlformats.org/drawingml/2006/main" xmlns:r="http://schemas.openxmlformats.org/officeDocument/2006/relationships" xmlns:p="http://schemas.openxmlformats.org/presentationml/2006/main">
   <p:cSld>
     <p:spTree>
@@ -6362,389 +6651,6 @@
 </p:sld>
 </file>
 
-<file path=ppt/slides/slide4.xml><?xml version="1.0" encoding="utf-8"?>
-<p:sld xmlns:a="http://schemas.openxmlformats.org/drawingml/2006/main" xmlns:r="http://schemas.openxmlformats.org/officeDocument/2006/relationships" xmlns:p="http://schemas.openxmlformats.org/presentationml/2006/main">
-  <p:cSld>
-    <p:spTree>
-      <p:nvGrpSpPr>
-        <p:cNvPr id="1" name=""/>
-        <p:cNvGrpSpPr/>
-        <p:nvPr/>
-      </p:nvGrpSpPr>
-      <p:grpSpPr>
-        <a:xfrm>
-          <a:off x="0" y="0"/>
-          <a:ext cx="0" cy="0"/>
-          <a:chOff x="0" y="0"/>
-          <a:chExt cx="0" cy="0"/>
-        </a:xfrm>
-      </p:grpSpPr>
-      <p:sp>
-        <p:nvSpPr>
-          <p:cNvPr id="3" name="Title 1">
-            <a:extLst>
-              <a:ext uri="{FF2B5EF4-FFF2-40B4-BE49-F238E27FC236}">
-                <a16:creationId xmlns:a16="http://schemas.microsoft.com/office/drawing/2014/main" id="{1643A88E-D0EA-4E1D-982F-F94E151585BB}"/>
-              </a:ext>
-            </a:extLst>
-          </p:cNvPr>
-          <p:cNvSpPr>
-            <a:spLocks noGrp="1"/>
-          </p:cNvSpPr>
-          <p:nvPr>
-            <p:ph type="title"/>
-          </p:nvPr>
-        </p:nvSpPr>
-        <p:spPr>
-          <a:xfrm>
-            <a:off x="838200" y="365125"/>
-            <a:ext cx="10515600" cy="1325563"/>
-          </a:xfrm>
-        </p:spPr>
-        <p:txBody>
-          <a:bodyPr/>
-          <a:lstStyle/>
-          <a:p>
-            <a:r>
-              <a:rPr lang="en-GB" dirty="0"/>
-              <a:t>Display Driver</a:t>
-            </a:r>
-          </a:p>
-        </p:txBody>
-      </p:sp>
-      <p:sp>
-        <p:nvSpPr>
-          <p:cNvPr id="4" name="Content Placeholder 2">
-            <a:extLst>
-              <a:ext uri="{FF2B5EF4-FFF2-40B4-BE49-F238E27FC236}">
-                <a16:creationId xmlns:a16="http://schemas.microsoft.com/office/drawing/2014/main" id="{A28A44D4-6C85-42EE-BC8C-4DF34AC906D0}"/>
-              </a:ext>
-            </a:extLst>
-          </p:cNvPr>
-          <p:cNvSpPr>
-            <a:spLocks noGrp="1"/>
-          </p:cNvSpPr>
-          <p:nvPr>
-            <p:ph idx="1"/>
-          </p:nvPr>
-        </p:nvSpPr>
-        <p:spPr>
-          <a:xfrm>
-            <a:off x="457392" y="1454514"/>
-            <a:ext cx="10233800" cy="4351338"/>
-          </a:xfrm>
-        </p:spPr>
-        <p:txBody>
-          <a:bodyPr/>
-          <a:lstStyle/>
-          <a:p>
-            <a:pPr lvl="1"/>
-            <a:endParaRPr lang="en-GB" dirty="0"/>
-          </a:p>
-          <a:p>
-            <a:pPr lvl="1"/>
-            <a:r>
-              <a:rPr lang="en-GB" dirty="0"/>
-              <a:t>320 x 240 pixels</a:t>
-            </a:r>
-          </a:p>
-          <a:p>
-            <a:pPr marL="457200" lvl="1" indent="0">
-              <a:buNone/>
-            </a:pPr>
-            <a:endParaRPr lang="en-GB" dirty="0"/>
-          </a:p>
-          <a:p>
-            <a:pPr lvl="1"/>
-            <a:r>
-              <a:rPr lang="en-GB" dirty="0"/>
-              <a:t>Frame buffer made up of two types of arrays </a:t>
-            </a:r>
-          </a:p>
-          <a:p>
-            <a:pPr marL="457200" lvl="1" indent="0">
-              <a:buNone/>
-            </a:pPr>
-            <a:endParaRPr lang="en-GB" dirty="0"/>
-          </a:p>
-          <a:p>
-            <a:pPr lvl="1"/>
-            <a:r>
-              <a:rPr lang="en-GB" dirty="0"/>
-              <a:t>Frame skip feature added </a:t>
-            </a:r>
-          </a:p>
-          <a:p>
-            <a:pPr lvl="1"/>
-            <a:endParaRPr lang="en-GB" dirty="0"/>
-          </a:p>
-          <a:p>
-            <a:pPr lvl="1"/>
-            <a:r>
-              <a:rPr lang="en-GB" dirty="0"/>
-              <a:t>Functions added to the engine to ease use</a:t>
-            </a:r>
-          </a:p>
-          <a:p>
-            <a:pPr lvl="1"/>
-            <a:endParaRPr lang="en-GB" dirty="0"/>
-          </a:p>
-          <a:p>
-            <a:pPr lvl="1"/>
-            <a:endParaRPr lang="en-GB" dirty="0"/>
-          </a:p>
-          <a:p>
-            <a:pPr lvl="1"/>
-            <a:endParaRPr lang="en-GB" dirty="0"/>
-          </a:p>
-          <a:p>
-            <a:pPr lvl="1"/>
-            <a:endParaRPr lang="en-GB" dirty="0"/>
-          </a:p>
-        </p:txBody>
-      </p:sp>
-    </p:spTree>
-    <p:extLst>
-      <p:ext uri="{BB962C8B-B14F-4D97-AF65-F5344CB8AC3E}">
-        <p14:creationId xmlns:p14="http://schemas.microsoft.com/office/powerpoint/2010/main" val="4037152160"/>
-      </p:ext>
-    </p:extLst>
-  </p:cSld>
-  <p:clrMapOvr>
-    <a:masterClrMapping/>
-  </p:clrMapOvr>
-</p:sld>
-</file>
-
-<file path=ppt/slides/slide5.xml><?xml version="1.0" encoding="utf-8"?>
-<p:sld xmlns:a="http://schemas.openxmlformats.org/drawingml/2006/main" xmlns:r="http://schemas.openxmlformats.org/officeDocument/2006/relationships" xmlns:p="http://schemas.openxmlformats.org/presentationml/2006/main">
-  <p:cSld>
-    <p:spTree>
-      <p:nvGrpSpPr>
-        <p:cNvPr id="1" name=""/>
-        <p:cNvGrpSpPr/>
-        <p:nvPr/>
-      </p:nvGrpSpPr>
-      <p:grpSpPr>
-        <a:xfrm>
-          <a:off x="0" y="0"/>
-          <a:ext cx="0" cy="0"/>
-          <a:chOff x="0" y="0"/>
-          <a:chExt cx="0" cy="0"/>
-        </a:xfrm>
-      </p:grpSpPr>
-      <p:sp>
-        <p:nvSpPr>
-          <p:cNvPr id="2" name="Title 1">
-            <a:extLst>
-              <a:ext uri="{FF2B5EF4-FFF2-40B4-BE49-F238E27FC236}">
-                <a16:creationId xmlns:a16="http://schemas.microsoft.com/office/drawing/2014/main" id="{C3C299C7-86C7-41A2-B0E6-4DA3B115EF90}"/>
-              </a:ext>
-            </a:extLst>
-          </p:cNvPr>
-          <p:cNvSpPr>
-            <a:spLocks noGrp="1"/>
-          </p:cNvSpPr>
-          <p:nvPr>
-            <p:ph type="title"/>
-          </p:nvPr>
-        </p:nvSpPr>
-        <p:spPr/>
-        <p:txBody>
-          <a:bodyPr/>
-          <a:lstStyle/>
-          <a:p>
-            <a:r>
-              <a:rPr lang="en-GB" dirty="0"/>
-              <a:t>Sprites &amp; Text</a:t>
-            </a:r>
-          </a:p>
-        </p:txBody>
-      </p:sp>
-      <p:sp>
-        <p:nvSpPr>
-          <p:cNvPr id="3" name="Content Placeholder 2">
-            <a:extLst>
-              <a:ext uri="{FF2B5EF4-FFF2-40B4-BE49-F238E27FC236}">
-                <a16:creationId xmlns:a16="http://schemas.microsoft.com/office/drawing/2014/main" id="{FFC9517B-41E3-44F8-9107-07B5C05958B4}"/>
-              </a:ext>
-            </a:extLst>
-          </p:cNvPr>
-          <p:cNvSpPr>
-            <a:spLocks noGrp="1"/>
-          </p:cNvSpPr>
-          <p:nvPr>
-            <p:ph idx="1"/>
-          </p:nvPr>
-        </p:nvSpPr>
-        <p:spPr/>
-        <p:txBody>
-          <a:bodyPr/>
-          <a:lstStyle/>
-          <a:p>
-            <a:r>
-              <a:rPr lang="en-GB" dirty="0"/>
-              <a:t>Ball generated using Pythagoras’ theorem</a:t>
-            </a:r>
-          </a:p>
-          <a:p>
-            <a:endParaRPr lang="en-GB" dirty="0"/>
-          </a:p>
-          <a:p>
-            <a:r>
-              <a:rPr lang="en-GB" dirty="0"/>
-              <a:t>Paddles created using </a:t>
-            </a:r>
-            <a:r>
-              <a:rPr lang="en-GB" dirty="0" err="1"/>
-              <a:t>Bresenham</a:t>
-            </a:r>
-            <a:r>
-              <a:rPr lang="en-GB" dirty="0"/>
-              <a:t> algorithm</a:t>
-            </a:r>
-          </a:p>
-          <a:p>
-            <a:endParaRPr lang="en-GB" dirty="0"/>
-          </a:p>
-          <a:p>
-            <a:r>
-              <a:rPr lang="en-GB" dirty="0"/>
-              <a:t>Text made using a library of hex values</a:t>
-            </a:r>
-          </a:p>
-        </p:txBody>
-      </p:sp>
-    </p:spTree>
-    <p:extLst>
-      <p:ext uri="{BB962C8B-B14F-4D97-AF65-F5344CB8AC3E}">
-        <p14:creationId xmlns:p14="http://schemas.microsoft.com/office/powerpoint/2010/main" val="1146827918"/>
-      </p:ext>
-    </p:extLst>
-  </p:cSld>
-  <p:clrMapOvr>
-    <a:masterClrMapping/>
-  </p:clrMapOvr>
-</p:sld>
-</file>
-
-<file path=ppt/slides/slide6.xml><?xml version="1.0" encoding="utf-8"?>
-<p:sld xmlns:a="http://schemas.openxmlformats.org/drawingml/2006/main" xmlns:r="http://schemas.openxmlformats.org/officeDocument/2006/relationships" xmlns:p="http://schemas.openxmlformats.org/presentationml/2006/main">
-  <p:cSld>
-    <p:spTree>
-      <p:nvGrpSpPr>
-        <p:cNvPr id="1" name=""/>
-        <p:cNvGrpSpPr/>
-        <p:nvPr/>
-      </p:nvGrpSpPr>
-      <p:grpSpPr>
-        <a:xfrm>
-          <a:off x="0" y="0"/>
-          <a:ext cx="0" cy="0"/>
-          <a:chOff x="0" y="0"/>
-          <a:chExt cx="0" cy="0"/>
-        </a:xfrm>
-      </p:grpSpPr>
-      <p:sp>
-        <p:nvSpPr>
-          <p:cNvPr id="2" name="Title 1">
-            <a:extLst>
-              <a:ext uri="{FF2B5EF4-FFF2-40B4-BE49-F238E27FC236}">
-                <a16:creationId xmlns:a16="http://schemas.microsoft.com/office/drawing/2014/main" id="{4F44DB89-D338-47D1-8154-9BD788590633}"/>
-              </a:ext>
-            </a:extLst>
-          </p:cNvPr>
-          <p:cNvSpPr>
-            <a:spLocks noGrp="1"/>
-          </p:cNvSpPr>
-          <p:nvPr>
-            <p:ph type="title"/>
-          </p:nvPr>
-        </p:nvSpPr>
-        <p:spPr/>
-        <p:txBody>
-          <a:bodyPr/>
-          <a:lstStyle/>
-          <a:p>
-            <a:r>
-              <a:rPr lang="en-GB" dirty="0"/>
-              <a:t>Game Engine</a:t>
-            </a:r>
-          </a:p>
-        </p:txBody>
-      </p:sp>
-      <p:sp>
-        <p:nvSpPr>
-          <p:cNvPr id="4" name="Content Placeholder 2">
-            <a:extLst>
-              <a:ext uri="{FF2B5EF4-FFF2-40B4-BE49-F238E27FC236}">
-                <a16:creationId xmlns:a16="http://schemas.microsoft.com/office/drawing/2014/main" id="{37316D58-35A1-46AA-A078-4469D609EF55}"/>
-              </a:ext>
-            </a:extLst>
-          </p:cNvPr>
-          <p:cNvSpPr>
-            <a:spLocks noGrp="1"/>
-          </p:cNvSpPr>
-          <p:nvPr>
-            <p:ph idx="1"/>
-          </p:nvPr>
-        </p:nvSpPr>
-        <p:spPr>
-          <a:xfrm>
-            <a:off x="1120000" y="1825625"/>
-            <a:ext cx="10233800" cy="4351338"/>
-          </a:xfrm>
-        </p:spPr>
-        <p:txBody>
-          <a:bodyPr/>
-          <a:lstStyle/>
-          <a:p>
-            <a:r>
-              <a:rPr lang="en-GB" dirty="0"/>
-              <a:t>Sprite location recorded by global values</a:t>
-            </a:r>
-          </a:p>
-          <a:p>
-            <a:endParaRPr lang="en-GB" dirty="0"/>
-          </a:p>
-          <a:p>
-            <a:r>
-              <a:rPr lang="en-GB" dirty="0"/>
-              <a:t>Sprites created and destroyed with commands in the game engine</a:t>
-            </a:r>
-          </a:p>
-          <a:p>
-            <a:endParaRPr lang="en-GB" dirty="0"/>
-          </a:p>
-          <a:p>
-            <a:r>
-              <a:rPr lang="en-GB" dirty="0"/>
-              <a:t>Angle calculated using </a:t>
-            </a:r>
-            <a:r>
-              <a:rPr lang="en-GB" dirty="0" err="1"/>
-              <a:t>Bresenham</a:t>
-            </a:r>
-            <a:r>
-              <a:rPr lang="en-GB" dirty="0"/>
-              <a:t> algorithm</a:t>
-            </a:r>
-          </a:p>
-        </p:txBody>
-      </p:sp>
-    </p:spTree>
-    <p:extLst>
-      <p:ext uri="{BB962C8B-B14F-4D97-AF65-F5344CB8AC3E}">
-        <p14:creationId xmlns:p14="http://schemas.microsoft.com/office/powerpoint/2010/main" val="2657086764"/>
-      </p:ext>
-    </p:extLst>
-  </p:cSld>
-  <p:clrMapOvr>
-    <a:masterClrMapping/>
-  </p:clrMapOvr>
-</p:sld>
-</file>
-
 <file path=ppt/slides/slide7.xml><?xml version="1.0" encoding="utf-8"?>
 <p:sld xmlns:a="http://schemas.openxmlformats.org/drawingml/2006/main" xmlns:r="http://schemas.openxmlformats.org/officeDocument/2006/relationships" xmlns:p="http://schemas.openxmlformats.org/presentationml/2006/main">
   <p:cSld>
@@ -6767,7 +6673,7 @@
           <p:cNvPr id="2" name="Title 1">
             <a:extLst>
               <a:ext uri="{FF2B5EF4-FFF2-40B4-BE49-F238E27FC236}">
-                <a16:creationId xmlns:a16="http://schemas.microsoft.com/office/drawing/2014/main" id="{534B2A91-13C1-4687-9497-E0B39C1FC184}"/>
+                <a16:creationId xmlns:a16="http://schemas.microsoft.com/office/drawing/2014/main" id="{4F44DB89-D338-47D1-8154-9BD788590633}"/>
               </a:ext>
             </a:extLst>
           </p:cNvPr>
@@ -6785,17 +6691,17 @@
           <a:p>
             <a:r>
               <a:rPr lang="en-GB" dirty="0"/>
-              <a:t>Menus</a:t>
-            </a:r>
-          </a:p>
-        </p:txBody>
-      </p:sp>
-      <p:sp>
-        <p:nvSpPr>
-          <p:cNvPr id="3" name="Content Placeholder 2">
+              <a:t>Game Engine</a:t>
+            </a:r>
+          </a:p>
+        </p:txBody>
+      </p:sp>
+      <p:sp>
+        <p:nvSpPr>
+          <p:cNvPr id="4" name="Content Placeholder 2">
             <a:extLst>
               <a:ext uri="{FF2B5EF4-FFF2-40B4-BE49-F238E27FC236}">
-                <a16:creationId xmlns:a16="http://schemas.microsoft.com/office/drawing/2014/main" id="{A8D3AC2F-D57D-4877-8E3C-CCEBA5ABDCB8}"/>
+                <a16:creationId xmlns:a16="http://schemas.microsoft.com/office/drawing/2014/main" id="{37316D58-35A1-46AA-A078-4469D609EF55}"/>
               </a:ext>
             </a:extLst>
           </p:cNvPr>
@@ -6806,14 +6712,19 @@
             <p:ph idx="1"/>
           </p:nvPr>
         </p:nvSpPr>
-        <p:spPr/>
+        <p:spPr>
+          <a:xfrm>
+            <a:off x="1120000" y="1825625"/>
+            <a:ext cx="10233800" cy="4351338"/>
+          </a:xfrm>
+        </p:spPr>
         <p:txBody>
           <a:bodyPr/>
           <a:lstStyle/>
           <a:p>
             <a:r>
               <a:rPr lang="en-GB" dirty="0"/>
-              <a:t>Three main types of screen</a:t>
+              <a:t>Sprite location recorded by global values</a:t>
             </a:r>
           </a:p>
           <a:p>
@@ -6822,7 +6733,7 @@
           <a:p>
             <a:r>
               <a:rPr lang="en-GB" dirty="0"/>
-              <a:t>Menu contains blocking and non-blocking elements</a:t>
+              <a:t>Sprites created and destroyed with commands in the game engine</a:t>
             </a:r>
           </a:p>
           <a:p>
@@ -6831,7 +6742,15 @@
           <a:p>
             <a:r>
               <a:rPr lang="en-GB" dirty="0"/>
-              <a:t>Allows user to change audio, paddle size and game mode </a:t>
+              <a:t>Angle calculated using </a:t>
+            </a:r>
+            <a:r>
+              <a:rPr lang="en-GB" dirty="0" err="1"/>
+              <a:t>Bresenham</a:t>
+            </a:r>
+            <a:r>
+              <a:rPr lang="en-GB" dirty="0"/>
+              <a:t> algorithm</a:t>
             </a:r>
           </a:p>
         </p:txBody>
@@ -6839,7 +6758,7 @@
     </p:spTree>
     <p:extLst>
       <p:ext uri="{BB962C8B-B14F-4D97-AF65-F5344CB8AC3E}">
-        <p14:creationId xmlns:p14="http://schemas.microsoft.com/office/powerpoint/2010/main" val="3509605658"/>
+        <p14:creationId xmlns:p14="http://schemas.microsoft.com/office/powerpoint/2010/main" val="2657086764"/>
       </p:ext>
     </p:extLst>
   </p:cSld>
